--- a/4. Documents/PVcode structure.pptx
+++ b/4. Documents/PVcode structure.pptx
@@ -209,7 +209,7 @@
           <a:p>
             <a:fld id="{B122B115-E345-4F39-BCA5-CA239E8B4580}" type="datetimeFigureOut">
               <a:rPr lang="ko-KR" altLang="en-US" smtClean="0"/>
-              <a:t>2019-11-04</a:t>
+              <a:t>2019-11-06</a:t>
             </a:fld>
             <a:endParaRPr lang="ko-KR" altLang="en-US"/>
           </a:p>
@@ -1620,7 +1620,7 @@
           <a:p>
             <a:fld id="{B320D390-7B87-4F25-8B28-E463E5DC97BC}" type="datetimeFigureOut">
               <a:rPr lang="ko-KR" altLang="en-US" smtClean="0"/>
-              <a:t>2019-11-04</a:t>
+              <a:t>2019-11-06</a:t>
             </a:fld>
             <a:endParaRPr lang="ko-KR" altLang="en-US"/>
           </a:p>
@@ -1958,7 +1958,7 @@
           <a:p>
             <a:fld id="{B320D390-7B87-4F25-8B28-E463E5DC97BC}" type="datetimeFigureOut">
               <a:rPr lang="ko-KR" altLang="en-US" smtClean="0"/>
-              <a:t>2019-11-04</a:t>
+              <a:t>2019-11-06</a:t>
             </a:fld>
             <a:endParaRPr lang="ko-KR" altLang="en-US"/>
           </a:p>
@@ -2359,7 +2359,7 @@
           <a:p>
             <a:fld id="{B320D390-7B87-4F25-8B28-E463E5DC97BC}" type="datetimeFigureOut">
               <a:rPr lang="ko-KR" altLang="en-US" smtClean="0"/>
-              <a:t>2019-11-04</a:t>
+              <a:t>2019-11-06</a:t>
             </a:fld>
             <a:endParaRPr lang="ko-KR" altLang="en-US"/>
           </a:p>
@@ -2695,7 +2695,7 @@
           <a:p>
             <a:fld id="{B320D390-7B87-4F25-8B28-E463E5DC97BC}" type="datetimeFigureOut">
               <a:rPr lang="ko-KR" altLang="en-US" smtClean="0"/>
-              <a:t>2019-11-04</a:t>
+              <a:t>2019-11-06</a:t>
             </a:fld>
             <a:endParaRPr lang="ko-KR" altLang="en-US"/>
           </a:p>
@@ -3015,7 +3015,7 @@
           <a:p>
             <a:fld id="{B320D390-7B87-4F25-8B28-E463E5DC97BC}" type="datetimeFigureOut">
               <a:rPr lang="ko-KR" altLang="en-US" smtClean="0"/>
-              <a:t>2019-11-04</a:t>
+              <a:t>2019-11-06</a:t>
             </a:fld>
             <a:endParaRPr lang="ko-KR" altLang="en-US"/>
           </a:p>
@@ -3411,7 +3411,7 @@
           <a:p>
             <a:fld id="{B320D390-7B87-4F25-8B28-E463E5DC97BC}" type="datetimeFigureOut">
               <a:rPr lang="ko-KR" altLang="en-US" smtClean="0"/>
-              <a:t>2019-11-04</a:t>
+              <a:t>2019-11-06</a:t>
             </a:fld>
             <a:endParaRPr lang="ko-KR" altLang="en-US"/>
           </a:p>
@@ -3668,7 +3668,7 @@
           <a:p>
             <a:fld id="{B320D390-7B87-4F25-8B28-E463E5DC97BC}" type="datetimeFigureOut">
               <a:rPr lang="ko-KR" altLang="en-US" smtClean="0"/>
-              <a:t>2019-11-04</a:t>
+              <a:t>2019-11-06</a:t>
             </a:fld>
             <a:endParaRPr lang="ko-KR" altLang="en-US"/>
           </a:p>
@@ -3930,7 +3930,7 @@
           <a:p>
             <a:fld id="{B320D390-7B87-4F25-8B28-E463E5DC97BC}" type="datetimeFigureOut">
               <a:rPr lang="ko-KR" altLang="en-US" smtClean="0"/>
-              <a:t>2019-11-04</a:t>
+              <a:t>2019-11-06</a:t>
             </a:fld>
             <a:endParaRPr lang="ko-KR" altLang="en-US"/>
           </a:p>
@@ -4192,7 +4192,7 @@
           <a:p>
             <a:fld id="{B320D390-7B87-4F25-8B28-E463E5DC97BC}" type="datetimeFigureOut">
               <a:rPr lang="ko-KR" altLang="en-US" smtClean="0"/>
-              <a:t>2019-11-04</a:t>
+              <a:t>2019-11-06</a:t>
             </a:fld>
             <a:endParaRPr lang="ko-KR" altLang="en-US"/>
           </a:p>
@@ -4521,7 +4521,7 @@
           <a:p>
             <a:fld id="{B320D390-7B87-4F25-8B28-E463E5DC97BC}" type="datetimeFigureOut">
               <a:rPr lang="ko-KR" altLang="en-US" smtClean="0"/>
-              <a:t>2019-11-04</a:t>
+              <a:t>2019-11-06</a:t>
             </a:fld>
             <a:endParaRPr lang="ko-KR" altLang="en-US"/>
           </a:p>
@@ -4844,7 +4844,7 @@
           <a:p>
             <a:fld id="{B320D390-7B87-4F25-8B28-E463E5DC97BC}" type="datetimeFigureOut">
               <a:rPr lang="ko-KR" altLang="en-US" smtClean="0"/>
-              <a:t>2019-11-04</a:t>
+              <a:t>2019-11-06</a:t>
             </a:fld>
             <a:endParaRPr lang="ko-KR" altLang="en-US"/>
           </a:p>
@@ -5301,7 +5301,7 @@
           <a:p>
             <a:fld id="{B320D390-7B87-4F25-8B28-E463E5DC97BC}" type="datetimeFigureOut">
               <a:rPr lang="ko-KR" altLang="en-US" smtClean="0"/>
-              <a:t>2019-11-04</a:t>
+              <a:t>2019-11-06</a:t>
             </a:fld>
             <a:endParaRPr lang="ko-KR" altLang="en-US"/>
           </a:p>
@@ -5506,7 +5506,7 @@
           <a:p>
             <a:fld id="{B320D390-7B87-4F25-8B28-E463E5DC97BC}" type="datetimeFigureOut">
               <a:rPr lang="ko-KR" altLang="en-US" smtClean="0"/>
-              <a:t>2019-11-04</a:t>
+              <a:t>2019-11-06</a:t>
             </a:fld>
             <a:endParaRPr lang="ko-KR" altLang="en-US"/>
           </a:p>
@@ -5683,7 +5683,7 @@
           <a:p>
             <a:fld id="{B320D390-7B87-4F25-8B28-E463E5DC97BC}" type="datetimeFigureOut">
               <a:rPr lang="ko-KR" altLang="en-US" smtClean="0"/>
-              <a:t>2019-11-04</a:t>
+              <a:t>2019-11-06</a:t>
             </a:fld>
             <a:endParaRPr lang="ko-KR" altLang="en-US"/>
           </a:p>
@@ -6016,7 +6016,7 @@
           <a:p>
             <a:fld id="{B320D390-7B87-4F25-8B28-E463E5DC97BC}" type="datetimeFigureOut">
               <a:rPr lang="ko-KR" altLang="en-US" smtClean="0"/>
-              <a:t>2019-11-04</a:t>
+              <a:t>2019-11-06</a:t>
             </a:fld>
             <a:endParaRPr lang="ko-KR" altLang="en-US"/>
           </a:p>
@@ -6361,7 +6361,7 @@
           <a:p>
             <a:fld id="{B320D390-7B87-4F25-8B28-E463E5DC97BC}" type="datetimeFigureOut">
               <a:rPr lang="ko-KR" altLang="en-US" smtClean="0"/>
-              <a:t>2019-11-04</a:t>
+              <a:t>2019-11-06</a:t>
             </a:fld>
             <a:endParaRPr lang="ko-KR" altLang="en-US"/>
           </a:p>
@@ -8478,7 +8478,7 @@
           <a:p>
             <a:fld id="{B320D390-7B87-4F25-8B28-E463E5DC97BC}" type="datetimeFigureOut">
               <a:rPr lang="ko-KR" altLang="en-US" smtClean="0"/>
-              <a:t>2019-11-04</a:t>
+              <a:t>2019-11-06</a:t>
             </a:fld>
             <a:endParaRPr lang="ko-KR" altLang="en-US"/>
           </a:p>
@@ -11990,11 +11990,7 @@
             </a:r>
             <a:r>
               <a:rPr lang="en-US" altLang="ko-KR" b="1" dirty="0" smtClean="0"/>
-              <a:t> </a:t>
-            </a:r>
-            <a:r>
-              <a:rPr lang="en-US" altLang="ko-KR" b="1" dirty="0" smtClean="0"/>
-              <a:t>data   &amp;</a:t>
+              <a:t> data   &amp;</a:t>
             </a:r>
             <a:endParaRPr lang="ko-KR" altLang="en-US" b="1" dirty="0"/>
           </a:p>
@@ -12103,7 +12099,19 @@
               <a:p>
                 <a:r>
                   <a:rPr lang="en-US" altLang="ko-KR" sz="1400" dirty="0" smtClean="0"/>
-                  <a:t>Quarter: 1~4 [0= 0 minute,</a:t>
+                  <a:t>Quarter: </a:t>
+                </a:r>
+                <a:r>
+                  <a:rPr lang="en-US" altLang="ko-KR" sz="1400" dirty="0"/>
+                  <a:t>0</a:t>
+                </a:r>
+                <a:r>
+                  <a:rPr lang="en-US" altLang="ko-KR" sz="1400" dirty="0" smtClean="0"/>
+                  <a:t>~3 </a:t>
+                </a:r>
+                <a:r>
+                  <a:rPr lang="en-US" altLang="ko-KR" sz="1400" dirty="0" smtClean="0"/>
+                  <a:t>[0= 0 minute,</a:t>
                 </a:r>
                 <a:r>
                   <a:rPr lang="en-US" altLang="ko-KR" sz="1400" dirty="0"/>
